--- a/presentation.pptx
+++ b/presentation.pptx
@@ -5,7 +5,7 @@
     <p:sldMasterId id="2147483749" r:id="rId1"/>
   </p:sldMasterIdLst>
   <p:notesMasterIdLst>
-    <p:notesMasterId r:id="rId19"/>
+    <p:notesMasterId r:id="rId18"/>
   </p:notesMasterIdLst>
   <p:sldIdLst>
     <p:sldId id="256" r:id="rId2"/>
@@ -19,12 +19,11 @@
     <p:sldId id="266" r:id="rId10"/>
     <p:sldId id="273" r:id="rId11"/>
     <p:sldId id="267" r:id="rId12"/>
-    <p:sldId id="277" r:id="rId13"/>
-    <p:sldId id="278" r:id="rId14"/>
-    <p:sldId id="276" r:id="rId15"/>
-    <p:sldId id="281" r:id="rId16"/>
-    <p:sldId id="282" r:id="rId17"/>
-    <p:sldId id="274" r:id="rId18"/>
+    <p:sldId id="284" r:id="rId13"/>
+    <p:sldId id="277" r:id="rId14"/>
+    <p:sldId id="278" r:id="rId15"/>
+    <p:sldId id="276" r:id="rId16"/>
+    <p:sldId id="274" r:id="rId17"/>
   </p:sldIdLst>
   <p:sldSz cx="12192000" cy="6858000"/>
   <p:notesSz cx="6858000" cy="9144000"/>
@@ -981,6 +980,115 @@
     </p:spTree>
     <p:extLst>
       <p:ext uri="{BB962C8B-B14F-4D97-AF65-F5344CB8AC3E}">
+        <p14:creationId xmlns:p14="http://schemas.microsoft.com/office/powerpoint/2010/main" val="608930987"/>
+      </p:ext>
+    </p:extLst>
+  </p:cSld>
+  <p:clrMapOvr>
+    <a:masterClrMapping/>
+  </p:clrMapOvr>
+</p:notes>
+</file>
+
+<file path=ppt/notesSlides/notesSlide13.xml><?xml version="1.0" encoding="utf-8"?>
+<p:notes xmlns:a="http://schemas.openxmlformats.org/drawingml/2006/main" xmlns:r="http://schemas.openxmlformats.org/officeDocument/2006/relationships" xmlns:p="http://schemas.openxmlformats.org/presentationml/2006/main" showMasterSp="0" showMasterPhAnim="0">
+  <p:cSld>
+    <p:spTree>
+      <p:nvGrpSpPr>
+        <p:cNvPr id="1" name="Shape 230"/>
+        <p:cNvGrpSpPr/>
+        <p:nvPr/>
+      </p:nvGrpSpPr>
+      <p:grpSpPr>
+        <a:xfrm>
+          <a:off x="0" y="0"/>
+          <a:ext cx="0" cy="0"/>
+          <a:chOff x="0" y="0"/>
+          <a:chExt cx="0" cy="0"/>
+        </a:xfrm>
+      </p:grpSpPr>
+      <p:sp>
+        <p:nvSpPr>
+          <p:cNvPr id="231" name="Google Shape;231;p11:notes"/>
+          <p:cNvSpPr txBox="1">
+            <a:spLocks noGrp="1"/>
+          </p:cNvSpPr>
+          <p:nvPr>
+            <p:ph type="body" idx="1"/>
+          </p:nvPr>
+        </p:nvSpPr>
+        <p:spPr>
+          <a:xfrm>
+            <a:off x="685800" y="4343400"/>
+            <a:ext cx="5486400" cy="4114800"/>
+          </a:xfrm>
+          <a:prstGeom prst="rect">
+            <a:avLst/>
+          </a:prstGeom>
+        </p:spPr>
+        <p:txBody>
+          <a:bodyPr spcFirstLastPara="1" wrap="square" lIns="91425" tIns="91425" rIns="91425" bIns="91425" anchor="t" anchorCtr="0">
+            <a:noAutofit/>
+          </a:bodyPr>
+          <a:lstStyle/>
+          <a:p>
+            <a:pPr marL="0" lvl="0" indent="0" algn="l" rtl="0">
+              <a:spcBef>
+                <a:spcPts val="0"/>
+              </a:spcBef>
+              <a:spcAft>
+                <a:spcPts val="0"/>
+              </a:spcAft>
+              <a:buNone/>
+            </a:pPr>
+            <a:endParaRPr/>
+          </a:p>
+        </p:txBody>
+      </p:sp>
+      <p:sp>
+        <p:nvSpPr>
+          <p:cNvPr id="232" name="Google Shape;232;p11:notes"/>
+          <p:cNvSpPr>
+            <a:spLocks noGrp="1" noRot="1" noChangeAspect="1"/>
+          </p:cNvSpPr>
+          <p:nvPr>
+            <p:ph type="sldImg" idx="2"/>
+          </p:nvPr>
+        </p:nvSpPr>
+        <p:spPr>
+          <a:xfrm>
+            <a:off x="381000" y="685800"/>
+            <a:ext cx="6096000" cy="3429000"/>
+          </a:xfrm>
+          <a:custGeom>
+            <a:avLst/>
+            <a:gdLst/>
+            <a:ahLst/>
+            <a:cxnLst/>
+            <a:rect l="l" t="t" r="r" b="b"/>
+            <a:pathLst>
+              <a:path w="120000" h="120000" extrusionOk="0">
+                <a:moveTo>
+                  <a:pt x="0" y="0"/>
+                </a:moveTo>
+                <a:lnTo>
+                  <a:pt x="120000" y="0"/>
+                </a:lnTo>
+                <a:lnTo>
+                  <a:pt x="120000" y="120000"/>
+                </a:lnTo>
+                <a:lnTo>
+                  <a:pt x="0" y="120000"/>
+                </a:lnTo>
+                <a:close/>
+              </a:path>
+            </a:pathLst>
+          </a:custGeom>
+        </p:spPr>
+      </p:sp>
+    </p:spTree>
+    <p:extLst>
+      <p:ext uri="{BB962C8B-B14F-4D97-AF65-F5344CB8AC3E}">
         <p14:creationId xmlns:p14="http://schemas.microsoft.com/office/powerpoint/2010/main" val="324291011"/>
       </p:ext>
     </p:extLst>
@@ -991,7 +1099,7 @@
 </p:notes>
 </file>
 
-<file path=ppt/notesSlides/notesSlide13.xml><?xml version="1.0" encoding="utf-8"?>
+<file path=ppt/notesSlides/notesSlide14.xml><?xml version="1.0" encoding="utf-8"?>
 <p:notes xmlns:a="http://schemas.openxmlformats.org/drawingml/2006/main" xmlns:r="http://schemas.openxmlformats.org/officeDocument/2006/relationships" xmlns:p="http://schemas.openxmlformats.org/presentationml/2006/main" showMasterSp="0" showMasterPhAnim="0">
   <p:cSld>
     <p:spTree>
@@ -1100,7 +1208,7 @@
 </p:notes>
 </file>
 
-<file path=ppt/notesSlides/notesSlide14.xml><?xml version="1.0" encoding="utf-8"?>
+<file path=ppt/notesSlides/notesSlide15.xml><?xml version="1.0" encoding="utf-8"?>
 <p:notes xmlns:a="http://schemas.openxmlformats.org/drawingml/2006/main" xmlns:r="http://schemas.openxmlformats.org/officeDocument/2006/relationships" xmlns:p="http://schemas.openxmlformats.org/presentationml/2006/main" showMasterSp="0" showMasterPhAnim="0">
   <p:cSld>
     <p:spTree>
@@ -1209,225 +1317,7 @@
 </p:notes>
 </file>
 
-<file path=ppt/notesSlides/notesSlide15.xml><?xml version="1.0" encoding="utf-8"?>
-<p:notes xmlns:a="http://schemas.openxmlformats.org/drawingml/2006/main" xmlns:r="http://schemas.openxmlformats.org/officeDocument/2006/relationships" xmlns:p="http://schemas.openxmlformats.org/presentationml/2006/main" showMasterSp="0" showMasterPhAnim="0">
-  <p:cSld>
-    <p:spTree>
-      <p:nvGrpSpPr>
-        <p:cNvPr id="1" name="Shape 230"/>
-        <p:cNvGrpSpPr/>
-        <p:nvPr/>
-      </p:nvGrpSpPr>
-      <p:grpSpPr>
-        <a:xfrm>
-          <a:off x="0" y="0"/>
-          <a:ext cx="0" cy="0"/>
-          <a:chOff x="0" y="0"/>
-          <a:chExt cx="0" cy="0"/>
-        </a:xfrm>
-      </p:grpSpPr>
-      <p:sp>
-        <p:nvSpPr>
-          <p:cNvPr id="231" name="Google Shape;231;p11:notes"/>
-          <p:cNvSpPr txBox="1">
-            <a:spLocks noGrp="1"/>
-          </p:cNvSpPr>
-          <p:nvPr>
-            <p:ph type="body" idx="1"/>
-          </p:nvPr>
-        </p:nvSpPr>
-        <p:spPr>
-          <a:xfrm>
-            <a:off x="685800" y="4343400"/>
-            <a:ext cx="5486400" cy="4114800"/>
-          </a:xfrm>
-          <a:prstGeom prst="rect">
-            <a:avLst/>
-          </a:prstGeom>
-        </p:spPr>
-        <p:txBody>
-          <a:bodyPr spcFirstLastPara="1" wrap="square" lIns="91425" tIns="91425" rIns="91425" bIns="91425" anchor="t" anchorCtr="0">
-            <a:noAutofit/>
-          </a:bodyPr>
-          <a:lstStyle/>
-          <a:p>
-            <a:pPr marL="0" lvl="0" indent="0" algn="l" rtl="0">
-              <a:spcBef>
-                <a:spcPts val="0"/>
-              </a:spcBef>
-              <a:spcAft>
-                <a:spcPts val="0"/>
-              </a:spcAft>
-              <a:buNone/>
-            </a:pPr>
-            <a:endParaRPr/>
-          </a:p>
-        </p:txBody>
-      </p:sp>
-      <p:sp>
-        <p:nvSpPr>
-          <p:cNvPr id="232" name="Google Shape;232;p11:notes"/>
-          <p:cNvSpPr>
-            <a:spLocks noGrp="1" noRot="1" noChangeAspect="1"/>
-          </p:cNvSpPr>
-          <p:nvPr>
-            <p:ph type="sldImg" idx="2"/>
-          </p:nvPr>
-        </p:nvSpPr>
-        <p:spPr>
-          <a:xfrm>
-            <a:off x="381000" y="685800"/>
-            <a:ext cx="6096000" cy="3429000"/>
-          </a:xfrm>
-          <a:custGeom>
-            <a:avLst/>
-            <a:gdLst/>
-            <a:ahLst/>
-            <a:cxnLst/>
-            <a:rect l="l" t="t" r="r" b="b"/>
-            <a:pathLst>
-              <a:path w="120000" h="120000" extrusionOk="0">
-                <a:moveTo>
-                  <a:pt x="0" y="0"/>
-                </a:moveTo>
-                <a:lnTo>
-                  <a:pt x="120000" y="0"/>
-                </a:lnTo>
-                <a:lnTo>
-                  <a:pt x="120000" y="120000"/>
-                </a:lnTo>
-                <a:lnTo>
-                  <a:pt x="0" y="120000"/>
-                </a:lnTo>
-                <a:close/>
-              </a:path>
-            </a:pathLst>
-          </a:custGeom>
-        </p:spPr>
-      </p:sp>
-    </p:spTree>
-    <p:extLst>
-      <p:ext uri="{BB962C8B-B14F-4D97-AF65-F5344CB8AC3E}">
-        <p14:creationId xmlns:p14="http://schemas.microsoft.com/office/powerpoint/2010/main" val="1724405498"/>
-      </p:ext>
-    </p:extLst>
-  </p:cSld>
-  <p:clrMapOvr>
-    <a:masterClrMapping/>
-  </p:clrMapOvr>
-</p:notes>
-</file>
-
 <file path=ppt/notesSlides/notesSlide16.xml><?xml version="1.0" encoding="utf-8"?>
-<p:notes xmlns:a="http://schemas.openxmlformats.org/drawingml/2006/main" xmlns:r="http://schemas.openxmlformats.org/officeDocument/2006/relationships" xmlns:p="http://schemas.openxmlformats.org/presentationml/2006/main" showMasterSp="0" showMasterPhAnim="0">
-  <p:cSld>
-    <p:spTree>
-      <p:nvGrpSpPr>
-        <p:cNvPr id="1" name="Shape 230"/>
-        <p:cNvGrpSpPr/>
-        <p:nvPr/>
-      </p:nvGrpSpPr>
-      <p:grpSpPr>
-        <a:xfrm>
-          <a:off x="0" y="0"/>
-          <a:ext cx="0" cy="0"/>
-          <a:chOff x="0" y="0"/>
-          <a:chExt cx="0" cy="0"/>
-        </a:xfrm>
-      </p:grpSpPr>
-      <p:sp>
-        <p:nvSpPr>
-          <p:cNvPr id="231" name="Google Shape;231;p11:notes"/>
-          <p:cNvSpPr txBox="1">
-            <a:spLocks noGrp="1"/>
-          </p:cNvSpPr>
-          <p:nvPr>
-            <p:ph type="body" idx="1"/>
-          </p:nvPr>
-        </p:nvSpPr>
-        <p:spPr>
-          <a:xfrm>
-            <a:off x="685800" y="4343400"/>
-            <a:ext cx="5486400" cy="4114800"/>
-          </a:xfrm>
-          <a:prstGeom prst="rect">
-            <a:avLst/>
-          </a:prstGeom>
-        </p:spPr>
-        <p:txBody>
-          <a:bodyPr spcFirstLastPara="1" wrap="square" lIns="91425" tIns="91425" rIns="91425" bIns="91425" anchor="t" anchorCtr="0">
-            <a:noAutofit/>
-          </a:bodyPr>
-          <a:lstStyle/>
-          <a:p>
-            <a:pPr marL="0" lvl="0" indent="0" algn="l" rtl="0">
-              <a:spcBef>
-                <a:spcPts val="0"/>
-              </a:spcBef>
-              <a:spcAft>
-                <a:spcPts val="0"/>
-              </a:spcAft>
-              <a:buNone/>
-            </a:pPr>
-            <a:endParaRPr/>
-          </a:p>
-        </p:txBody>
-      </p:sp>
-      <p:sp>
-        <p:nvSpPr>
-          <p:cNvPr id="232" name="Google Shape;232;p11:notes"/>
-          <p:cNvSpPr>
-            <a:spLocks noGrp="1" noRot="1" noChangeAspect="1"/>
-          </p:cNvSpPr>
-          <p:nvPr>
-            <p:ph type="sldImg" idx="2"/>
-          </p:nvPr>
-        </p:nvSpPr>
-        <p:spPr>
-          <a:xfrm>
-            <a:off x="381000" y="685800"/>
-            <a:ext cx="6096000" cy="3429000"/>
-          </a:xfrm>
-          <a:custGeom>
-            <a:avLst/>
-            <a:gdLst/>
-            <a:ahLst/>
-            <a:cxnLst/>
-            <a:rect l="l" t="t" r="r" b="b"/>
-            <a:pathLst>
-              <a:path w="120000" h="120000" extrusionOk="0">
-                <a:moveTo>
-                  <a:pt x="0" y="0"/>
-                </a:moveTo>
-                <a:lnTo>
-                  <a:pt x="120000" y="0"/>
-                </a:lnTo>
-                <a:lnTo>
-                  <a:pt x="120000" y="120000"/>
-                </a:lnTo>
-                <a:lnTo>
-                  <a:pt x="0" y="120000"/>
-                </a:lnTo>
-                <a:close/>
-              </a:path>
-            </a:pathLst>
-          </a:custGeom>
-        </p:spPr>
-      </p:sp>
-    </p:spTree>
-    <p:extLst>
-      <p:ext uri="{BB962C8B-B14F-4D97-AF65-F5344CB8AC3E}">
-        <p14:creationId xmlns:p14="http://schemas.microsoft.com/office/powerpoint/2010/main" val="954882768"/>
-      </p:ext>
-    </p:extLst>
-  </p:cSld>
-  <p:clrMapOvr>
-    <a:masterClrMapping/>
-  </p:clrMapOvr>
-</p:notes>
-</file>
-
-<file path=ppt/notesSlides/notesSlide17.xml><?xml version="1.0" encoding="utf-8"?>
 <p:notes xmlns:a="http://schemas.openxmlformats.org/drawingml/2006/main" xmlns:r="http://schemas.openxmlformats.org/officeDocument/2006/relationships" xmlns:p="http://schemas.openxmlformats.org/presentationml/2006/main" showMasterSp="0" showMasterPhAnim="0">
   <p:cSld>
     <p:spTree>
@@ -6256,7 +6146,7 @@
         </p:nvSpPr>
         <p:spPr>
           <a:xfrm>
-            <a:off x="1384663" y="1567543"/>
+            <a:off x="941317" y="819397"/>
             <a:ext cx="10119949" cy="4343679"/>
           </a:xfrm>
           <a:prstGeom prst="rect">
@@ -6306,14 +6196,14 @@
           <p:nvPr>
             <p:extLst>
               <p:ext uri="{D42A27DB-BD31-4B8C-83A1-F6EECF244321}">
-                <p14:modId xmlns:p14="http://schemas.microsoft.com/office/powerpoint/2010/main" val="3662884104"/>
+                <p14:modId xmlns:p14="http://schemas.microsoft.com/office/powerpoint/2010/main" val="557222358"/>
               </p:ext>
             </p:extLst>
           </p:nvPr>
         </p:nvGraphicFramePr>
         <p:xfrm>
-          <a:off x="3287953" y="2470832"/>
-          <a:ext cx="6731536" cy="3354695"/>
+          <a:off x="2820851" y="1467471"/>
+          <a:ext cx="6731536" cy="5092055"/>
         </p:xfrm>
         <a:graphic>
           <a:graphicData uri="http://schemas.openxmlformats.org/drawingml/2006/table">
@@ -6491,6 +6381,65 @@
                   </a:ext>
                 </a:extLst>
               </a:tr>
+              <a:tr h="220032">
+                <a:tc>
+                  <a:txBody>
+                    <a:bodyPr/>
+                    <a:lstStyle/>
+                    <a:p>
+                      <a:pPr algn="ctr"/>
+                      <a:r>
+                        <a:rPr lang="en-IN" dirty="0"/>
+                        <a:t>With Transformation</a:t>
+                      </a:r>
+                    </a:p>
+                  </a:txBody>
+                  <a:tcPr/>
+                </a:tc>
+                <a:tc>
+                  <a:txBody>
+                    <a:bodyPr/>
+                    <a:lstStyle/>
+                    <a:p>
+                      <a:pPr algn="ctr"/>
+                      <a:r>
+                        <a:rPr lang="en-IN" dirty="0"/>
+                        <a:t>KNN trained on domain A and tested with transformation of domain </a:t>
+                      </a:r>
+                      <a:r>
+                        <a:rPr lang="en-IN" dirty="0" smtClean="0"/>
+                        <a:t>B with</a:t>
+                      </a:r>
+                      <a:r>
+                        <a:rPr lang="en-IN" baseline="0" dirty="0" smtClean="0"/>
+                        <a:t> SGD</a:t>
+                      </a:r>
+                      <a:endParaRPr lang="en-IN" dirty="0"/>
+                    </a:p>
+                  </a:txBody>
+                  <a:tcPr/>
+                </a:tc>
+                <a:tc>
+                  <a:txBody>
+                    <a:bodyPr/>
+                    <a:lstStyle/>
+                    <a:p>
+                      <a:pPr algn="ctr"/>
+                      <a:r>
+                        <a:rPr lang="en-IN" dirty="0" smtClean="0"/>
+                        <a:t>42.32</a:t>
+                      </a:r>
+                      <a:endParaRPr lang="en-IN" dirty="0"/>
+                    </a:p>
+                  </a:txBody>
+                  <a:tcPr/>
+                </a:tc>
+                <a:extLst>
+                  <a:ext uri="{0D108BD9-81ED-4DB2-BD59-A6C34878D82A}">
+                    <a16:rowId xmlns:a16="http://schemas.microsoft.com/office/drawing/2014/main" val="2080332233"/>
+                  </a:ext>
+                </a:extLst>
+              </a:tr>
             </a:tbl>
           </a:graphicData>
         </a:graphic>
@@ -6504,6 +6453,411 @@
 </file>
 
 <file path=ppt/slides/slide12.xml><?xml version="1.0" encoding="utf-8"?>
+<p:sld xmlns:a="http://schemas.openxmlformats.org/drawingml/2006/main" xmlns:r="http://schemas.openxmlformats.org/officeDocument/2006/relationships" xmlns:p="http://schemas.openxmlformats.org/presentationml/2006/main">
+  <p:cSld>
+    <p:spTree>
+      <p:nvGrpSpPr>
+        <p:cNvPr id="1" name="Shape 233"/>
+        <p:cNvGrpSpPr/>
+        <p:nvPr/>
+      </p:nvGrpSpPr>
+      <p:grpSpPr>
+        <a:xfrm>
+          <a:off x="0" y="0"/>
+          <a:ext cx="0" cy="0"/>
+          <a:chOff x="0" y="0"/>
+          <a:chExt cx="0" cy="0"/>
+        </a:xfrm>
+      </p:grpSpPr>
+      <p:sp>
+        <p:nvSpPr>
+          <p:cNvPr id="234" name="Google Shape;234;p29"/>
+          <p:cNvSpPr txBox="1">
+            <a:spLocks noGrp="1"/>
+          </p:cNvSpPr>
+          <p:nvPr>
+            <p:ph type="title"/>
+          </p:nvPr>
+        </p:nvSpPr>
+        <p:spPr>
+          <a:xfrm>
+            <a:off x="1730776" y="286653"/>
+            <a:ext cx="8911687" cy="1280890"/>
+          </a:xfrm>
+          <a:prstGeom prst="rect">
+            <a:avLst/>
+          </a:prstGeom>
+          <a:noFill/>
+          <a:ln>
+            <a:noFill/>
+          </a:ln>
+        </p:spPr>
+        <p:txBody>
+          <a:bodyPr spcFirstLastPara="1" wrap="square" lIns="91425" tIns="45700" rIns="91425" bIns="45700" anchor="t" anchorCtr="0">
+            <a:noAutofit/>
+          </a:bodyPr>
+          <a:lstStyle/>
+          <a:p>
+            <a:pPr marL="0" lvl="0" indent="0" rtl="0">
+              <a:spcBef>
+                <a:spcPts val="0"/>
+              </a:spcBef>
+              <a:spcAft>
+                <a:spcPts val="0"/>
+              </a:spcAft>
+              <a:buClr>
+                <a:srgbClr val="262626"/>
+              </a:buClr>
+              <a:buSzPts val="3600"/>
+              <a:buFont typeface="Century Gothic"/>
+              <a:buNone/>
+            </a:pPr>
+            <a:r>
+              <a:rPr lang="en-IN" dirty="0"/>
+              <a:t>Observations and results</a:t>
+            </a:r>
+            <a:endParaRPr dirty="0"/>
+          </a:p>
+        </p:txBody>
+      </p:sp>
+      <p:sp>
+        <p:nvSpPr>
+          <p:cNvPr id="235" name="Google Shape;235;p29"/>
+          <p:cNvSpPr txBox="1">
+            <a:spLocks noGrp="1"/>
+          </p:cNvSpPr>
+          <p:nvPr>
+            <p:ph idx="1"/>
+          </p:nvPr>
+        </p:nvSpPr>
+        <p:spPr>
+          <a:xfrm>
+            <a:off x="1010590" y="744432"/>
+            <a:ext cx="10119949" cy="4343679"/>
+          </a:xfrm>
+          <a:prstGeom prst="rect">
+            <a:avLst/>
+          </a:prstGeom>
+          <a:noFill/>
+          <a:ln>
+            <a:noFill/>
+          </a:ln>
+        </p:spPr>
+        <p:txBody>
+          <a:bodyPr spcFirstLastPara="1" wrap="square" lIns="91425" tIns="45700" rIns="91425" bIns="45700" anchor="t" anchorCtr="0">
+            <a:noAutofit/>
+          </a:bodyPr>
+          <a:lstStyle/>
+          <a:p>
+            <a:pPr marL="0" lvl="0" indent="0" algn="l" rtl="0">
+              <a:spcBef>
+                <a:spcPts val="0"/>
+              </a:spcBef>
+              <a:spcAft>
+                <a:spcPts val="0"/>
+              </a:spcAft>
+              <a:buSzPts val="2400"/>
+              <a:buNone/>
+            </a:pPr>
+            <a:r>
+              <a:rPr lang="en-IN" sz="2400" dirty="0"/>
+              <a:t>Experiment 1: Impact of Asymmetric Transformation.</a:t>
+            </a:r>
+            <a:endParaRPr sz="2400" dirty="0"/>
+          </a:p>
+        </p:txBody>
+      </p:sp>
+      <p:graphicFrame>
+        <p:nvGraphicFramePr>
+          <p:cNvPr id="2" name="Table 1">
+            <a:extLst>
+              <a:ext uri="{FF2B5EF4-FFF2-40B4-BE49-F238E27FC236}">
+                <a16:creationId xmlns:a16="http://schemas.microsoft.com/office/drawing/2014/main" id="{9503A175-22E6-41E2-9594-C4C6860CBF41}"/>
+              </a:ext>
+            </a:extLst>
+          </p:cNvPr>
+          <p:cNvGraphicFramePr>
+            <a:graphicFrameLocks noGrp="1"/>
+          </p:cNvGraphicFramePr>
+          <p:nvPr>
+            <p:extLst>
+              <p:ext uri="{D42A27DB-BD31-4B8C-83A1-F6EECF244321}">
+                <p14:modId xmlns:p14="http://schemas.microsoft.com/office/powerpoint/2010/main" val="1187023550"/>
+              </p:ext>
+            </p:extLst>
+          </p:nvPr>
+        </p:nvGraphicFramePr>
+        <p:xfrm>
+          <a:off x="2704796" y="1362469"/>
+          <a:ext cx="6731536" cy="5092055"/>
+        </p:xfrm>
+        <a:graphic>
+          <a:graphicData uri="http://schemas.openxmlformats.org/drawingml/2006/table">
+            <a:tbl>
+              <a:tblPr firstRow="1" bandRow="1">
+                <a:tableStyleId>{5C22544A-7EE6-4342-B048-85BDC9FD1C3A}</a:tableStyleId>
+              </a:tblPr>
+              <a:tblGrid>
+                <a:gridCol w="2812890">
+                  <a:extLst>
+                    <a:ext uri="{9D8B030D-6E8A-4147-A177-3AD203B41FA5}">
+                      <a16:colId xmlns:a16="http://schemas.microsoft.com/office/drawing/2014/main" val="580008547"/>
+                    </a:ext>
+                  </a:extLst>
+                </a:gridCol>
+                <a:gridCol w="1959323">
+                  <a:extLst>
+                    <a:ext uri="{9D8B030D-6E8A-4147-A177-3AD203B41FA5}">
+                      <a16:colId xmlns:a16="http://schemas.microsoft.com/office/drawing/2014/main" val="1589482741"/>
+                    </a:ext>
+                  </a:extLst>
+                </a:gridCol>
+                <a:gridCol w="1959323">
+                  <a:extLst>
+                    <a:ext uri="{9D8B030D-6E8A-4147-A177-3AD203B41FA5}">
+                      <a16:colId xmlns:a16="http://schemas.microsoft.com/office/drawing/2014/main" val="1037748127"/>
+                    </a:ext>
+                  </a:extLst>
+                </a:gridCol>
+              </a:tblGrid>
+              <a:tr h="702935">
+                <a:tc>
+                  <a:txBody>
+                    <a:bodyPr/>
+                    <a:lstStyle/>
+                    <a:p>
+                      <a:pPr algn="ctr"/>
+                      <a:r>
+                        <a:rPr lang="en-IN" dirty="0"/>
+                        <a:t>Test</a:t>
+                      </a:r>
+                    </a:p>
+                  </a:txBody>
+                  <a:tcPr/>
+                </a:tc>
+                <a:tc>
+                  <a:txBody>
+                    <a:bodyPr/>
+                    <a:lstStyle/>
+                    <a:p>
+                      <a:pPr algn="ctr"/>
+                      <a:r>
+                        <a:rPr lang="en-IN" dirty="0"/>
+                        <a:t>Description</a:t>
+                      </a:r>
+                    </a:p>
+                  </a:txBody>
+                  <a:tcPr/>
+                </a:tc>
+                <a:tc>
+                  <a:txBody>
+                    <a:bodyPr/>
+                    <a:lstStyle/>
+                    <a:p>
+                      <a:pPr algn="ctr"/>
+                      <a:r>
+                        <a:rPr lang="en-IN" dirty="0"/>
+                        <a:t>Accuracy</a:t>
+                      </a:r>
+                    </a:p>
+                  </a:txBody>
+                  <a:tcPr/>
+                </a:tc>
+                <a:extLst>
+                  <a:ext uri="{0D108BD9-81ED-4DB2-BD59-A6C34878D82A}">
+                    <a16:rowId xmlns:a16="http://schemas.microsoft.com/office/drawing/2014/main" val="1999861247"/>
+                  </a:ext>
+                </a:extLst>
+              </a:tr>
+              <a:tr h="220032">
+                <a:tc>
+                  <a:txBody>
+                    <a:bodyPr/>
+                    <a:lstStyle/>
+                    <a:p>
+                      <a:pPr algn="ctr"/>
+                      <a:r>
+                        <a:rPr lang="en-IN" dirty="0"/>
+                        <a:t>Without Transformations</a:t>
+                      </a:r>
+                    </a:p>
+                  </a:txBody>
+                  <a:tcPr/>
+                </a:tc>
+                <a:tc>
+                  <a:txBody>
+                    <a:bodyPr/>
+                    <a:lstStyle/>
+                    <a:p>
+                      <a:pPr algn="ctr"/>
+                      <a:r>
+                        <a:rPr lang="en-IN" dirty="0" smtClean="0"/>
+                        <a:t>SVM </a:t>
+                      </a:r>
+                      <a:r>
+                        <a:rPr lang="en-IN" dirty="0"/>
+                        <a:t>trained on domain A and tested directly on domain B</a:t>
+                      </a:r>
+                    </a:p>
+                  </a:txBody>
+                  <a:tcPr/>
+                </a:tc>
+                <a:tc>
+                  <a:txBody>
+                    <a:bodyPr/>
+                    <a:lstStyle/>
+                    <a:p>
+                      <a:pPr algn="ctr"/>
+                      <a:r>
+                        <a:rPr lang="en-IN" dirty="0" smtClean="0"/>
+                        <a:t>18.32</a:t>
+                      </a:r>
+                      <a:endParaRPr lang="en-IN" dirty="0"/>
+                    </a:p>
+                  </a:txBody>
+                  <a:tcPr/>
+                </a:tc>
+                <a:extLst>
+                  <a:ext uri="{0D108BD9-81ED-4DB2-BD59-A6C34878D82A}">
+                    <a16:rowId xmlns:a16="http://schemas.microsoft.com/office/drawing/2014/main" val="3823909899"/>
+                  </a:ext>
+                </a:extLst>
+              </a:tr>
+              <a:tr h="220032">
+                <a:tc>
+                  <a:txBody>
+                    <a:bodyPr/>
+                    <a:lstStyle/>
+                    <a:p>
+                      <a:pPr algn="ctr"/>
+                      <a:r>
+                        <a:rPr lang="en-IN" dirty="0"/>
+                        <a:t>With Transformation</a:t>
+                      </a:r>
+                    </a:p>
+                  </a:txBody>
+                  <a:tcPr/>
+                </a:tc>
+                <a:tc>
+                  <a:txBody>
+                    <a:bodyPr/>
+                    <a:lstStyle/>
+                    <a:p>
+                      <a:pPr algn="ctr"/>
+                      <a:r>
+                        <a:rPr lang="en-IN" dirty="0" smtClean="0"/>
+                        <a:t>SVM </a:t>
+                      </a:r>
+                      <a:r>
+                        <a:rPr lang="en-IN" dirty="0"/>
+                        <a:t>trained on domain A and tested with transformation of domain B</a:t>
+                      </a:r>
+                    </a:p>
+                  </a:txBody>
+                  <a:tcPr/>
+                </a:tc>
+                <a:tc>
+                  <a:txBody>
+                    <a:bodyPr/>
+                    <a:lstStyle/>
+                    <a:p>
+                      <a:pPr algn="ctr"/>
+                      <a:r>
+                        <a:rPr lang="en-IN" dirty="0" smtClean="0"/>
+                        <a:t>52.43</a:t>
+                      </a:r>
+                      <a:endParaRPr lang="en-IN" dirty="0"/>
+                    </a:p>
+                  </a:txBody>
+                  <a:tcPr/>
+                </a:tc>
+                <a:extLst>
+                  <a:ext uri="{0D108BD9-81ED-4DB2-BD59-A6C34878D82A}">
+                    <a16:rowId xmlns:a16="http://schemas.microsoft.com/office/drawing/2014/main" val="4206436676"/>
+                  </a:ext>
+                </a:extLst>
+              </a:tr>
+              <a:tr h="220032">
+                <a:tc>
+                  <a:txBody>
+                    <a:bodyPr/>
+                    <a:lstStyle/>
+                    <a:p>
+                      <a:pPr algn="ctr"/>
+                      <a:r>
+                        <a:rPr lang="en-IN" dirty="0"/>
+                        <a:t>With Transformation</a:t>
+                      </a:r>
+                    </a:p>
+                  </a:txBody>
+                  <a:tcPr/>
+                </a:tc>
+                <a:tc>
+                  <a:txBody>
+                    <a:bodyPr/>
+                    <a:lstStyle/>
+                    <a:p>
+                      <a:pPr algn="ctr"/>
+                      <a:r>
+                        <a:rPr lang="en-IN" dirty="0" smtClean="0"/>
+                        <a:t>SVM </a:t>
+                      </a:r>
+                      <a:r>
+                        <a:rPr lang="en-IN" dirty="0"/>
+                        <a:t>trained on domain A and tested with transformation of domain </a:t>
+                      </a:r>
+                      <a:r>
+                        <a:rPr lang="en-IN" dirty="0" smtClean="0"/>
+                        <a:t>B with</a:t>
+                      </a:r>
+                      <a:r>
+                        <a:rPr lang="en-IN" baseline="0" dirty="0" smtClean="0"/>
+                        <a:t> SGD</a:t>
+                      </a:r>
+                      <a:endParaRPr lang="en-IN" dirty="0"/>
+                    </a:p>
+                  </a:txBody>
+                  <a:tcPr/>
+                </a:tc>
+                <a:tc>
+                  <a:txBody>
+                    <a:bodyPr/>
+                    <a:lstStyle/>
+                    <a:p>
+                      <a:pPr algn="ctr"/>
+                      <a:r>
+                        <a:rPr lang="en-IN" dirty="0" smtClean="0"/>
+                        <a:t>27.69</a:t>
+                      </a:r>
+                      <a:endParaRPr lang="en-IN" dirty="0"/>
+                    </a:p>
+                  </a:txBody>
+                  <a:tcPr/>
+                </a:tc>
+                <a:extLst>
+                  <a:ext uri="{0D108BD9-81ED-4DB2-BD59-A6C34878D82A}">
+                    <a16:rowId xmlns:a16="http://schemas.microsoft.com/office/drawing/2014/main" val="4277587237"/>
+                  </a:ext>
+                </a:extLst>
+              </a:tr>
+            </a:tbl>
+          </a:graphicData>
+        </a:graphic>
+      </p:graphicFrame>
+    </p:spTree>
+    <p:extLst>
+      <p:ext uri="{BB962C8B-B14F-4D97-AF65-F5344CB8AC3E}">
+        <p14:creationId xmlns:p14="http://schemas.microsoft.com/office/powerpoint/2010/main" val="2717244756"/>
+      </p:ext>
+    </p:extLst>
+  </p:cSld>
+  <p:clrMapOvr>
+    <a:masterClrMapping/>
+  </p:clrMapOvr>
+</p:sld>
+</file>
+
+<file path=ppt/slides/slide13.xml><?xml version="1.0" encoding="utf-8"?>
 <p:sld xmlns:a="http://schemas.openxmlformats.org/drawingml/2006/main" xmlns:r="http://schemas.openxmlformats.org/officeDocument/2006/relationships" xmlns:p="http://schemas.openxmlformats.org/presentationml/2006/main">
   <p:cSld>
     <p:spTree>
@@ -6695,7 +7049,7 @@
 </p:sld>
 </file>
 
-<file path=ppt/slides/slide13.xml><?xml version="1.0" encoding="utf-8"?>
+<file path=ppt/slides/slide14.xml><?xml version="1.0" encoding="utf-8"?>
 <p:sld xmlns:a="http://schemas.openxmlformats.org/drawingml/2006/main" xmlns:r="http://schemas.openxmlformats.org/officeDocument/2006/relationships" xmlns:p="http://schemas.openxmlformats.org/presentationml/2006/main">
   <p:cSld>
     <p:spTree>
@@ -9972,7 +10326,7 @@
 </p:sld>
 </file>
 
-<file path=ppt/slides/slide14.xml><?xml version="1.0" encoding="utf-8"?>
+<file path=ppt/slides/slide15.xml><?xml version="1.0" encoding="utf-8"?>
 <p:sld xmlns:a="http://schemas.openxmlformats.org/drawingml/2006/main" xmlns:r="http://schemas.openxmlformats.org/officeDocument/2006/relationships" xmlns:p="http://schemas.openxmlformats.org/presentationml/2006/main">
   <p:cSld>
     <p:spTree>
@@ -10134,1151 +10488,7 @@
 </p:sld>
 </file>
 
-<file path=ppt/slides/slide15.xml><?xml version="1.0" encoding="utf-8"?>
-<p:sld xmlns:a="http://schemas.openxmlformats.org/drawingml/2006/main" xmlns:r="http://schemas.openxmlformats.org/officeDocument/2006/relationships" xmlns:p="http://schemas.openxmlformats.org/presentationml/2006/main">
-  <p:cSld>
-    <p:spTree>
-      <p:nvGrpSpPr>
-        <p:cNvPr id="1" name="Shape 233"/>
-        <p:cNvGrpSpPr/>
-        <p:nvPr/>
-      </p:nvGrpSpPr>
-      <p:grpSpPr>
-        <a:xfrm>
-          <a:off x="0" y="0"/>
-          <a:ext cx="0" cy="0"/>
-          <a:chOff x="0" y="0"/>
-          <a:chExt cx="0" cy="0"/>
-        </a:xfrm>
-      </p:grpSpPr>
-      <p:sp>
-        <p:nvSpPr>
-          <p:cNvPr id="234" name="Google Shape;234;p29"/>
-          <p:cNvSpPr txBox="1">
-            <a:spLocks noGrp="1"/>
-          </p:cNvSpPr>
-          <p:nvPr>
-            <p:ph type="title"/>
-          </p:nvPr>
-        </p:nvSpPr>
-        <p:spPr>
-          <a:xfrm>
-            <a:off x="1730776" y="286653"/>
-            <a:ext cx="8911687" cy="1280890"/>
-          </a:xfrm>
-          <a:prstGeom prst="rect">
-            <a:avLst/>
-          </a:prstGeom>
-          <a:noFill/>
-          <a:ln>
-            <a:noFill/>
-          </a:ln>
-        </p:spPr>
-        <p:txBody>
-          <a:bodyPr spcFirstLastPara="1" wrap="square" lIns="91425" tIns="45700" rIns="91425" bIns="45700" anchor="t" anchorCtr="0">
-            <a:noAutofit/>
-          </a:bodyPr>
-          <a:lstStyle/>
-          <a:p>
-            <a:pPr marL="0" lvl="0" indent="0" rtl="0">
-              <a:spcBef>
-                <a:spcPts val="0"/>
-              </a:spcBef>
-              <a:spcAft>
-                <a:spcPts val="0"/>
-              </a:spcAft>
-              <a:buClr>
-                <a:srgbClr val="262626"/>
-              </a:buClr>
-              <a:buSzPts val="3600"/>
-              <a:buFont typeface="Century Gothic"/>
-              <a:buNone/>
-            </a:pPr>
-            <a:r>
-              <a:rPr lang="en-IN" dirty="0"/>
-              <a:t>Observations and results</a:t>
-            </a:r>
-            <a:endParaRPr dirty="0"/>
-          </a:p>
-        </p:txBody>
-      </p:sp>
-      <p:sp>
-        <p:nvSpPr>
-          <p:cNvPr id="235" name="Google Shape;235;p29"/>
-          <p:cNvSpPr txBox="1">
-            <a:spLocks noGrp="1"/>
-          </p:cNvSpPr>
-          <p:nvPr>
-            <p:ph idx="1"/>
-          </p:nvPr>
-        </p:nvSpPr>
-        <p:spPr>
-          <a:xfrm>
-            <a:off x="1384663" y="1567543"/>
-            <a:ext cx="10119949" cy="4343679"/>
-          </a:xfrm>
-          <a:prstGeom prst="rect">
-            <a:avLst/>
-          </a:prstGeom>
-          <a:noFill/>
-          <a:ln>
-            <a:noFill/>
-          </a:ln>
-        </p:spPr>
-        <p:txBody>
-          <a:bodyPr spcFirstLastPara="1" wrap="square" lIns="91425" tIns="45700" rIns="91425" bIns="45700" anchor="t" anchorCtr="0">
-            <a:noAutofit/>
-          </a:bodyPr>
-          <a:lstStyle/>
-          <a:p>
-            <a:pPr marL="0" lvl="0" indent="0" algn="l" rtl="0">
-              <a:spcBef>
-                <a:spcPts val="0"/>
-              </a:spcBef>
-              <a:spcAft>
-                <a:spcPts val="0"/>
-              </a:spcAft>
-              <a:buSzPts val="2400"/>
-              <a:buNone/>
-            </a:pPr>
-            <a:r>
-              <a:rPr lang="en-IN" sz="2400" dirty="0"/>
-              <a:t>Experiment </a:t>
-            </a:r>
-            <a:r>
-              <a:rPr lang="en-IN" sz="2400" dirty="0" smtClean="0"/>
-              <a:t>5:</a:t>
-            </a:r>
-            <a:r>
-              <a:rPr lang="en-IN" sz="2400" dirty="0" smtClean="0"/>
-              <a:t> Transfer  Learning</a:t>
-            </a:r>
-            <a:endParaRPr sz="2400" dirty="0"/>
-          </a:p>
-        </p:txBody>
-      </p:sp>
-      <p:sp>
-        <p:nvSpPr>
-          <p:cNvPr id="2" name="Rectangle 2"/>
-          <p:cNvSpPr>
-            <a:spLocks noChangeArrowheads="1"/>
-          </p:cNvSpPr>
-          <p:nvPr/>
-        </p:nvSpPr>
-        <p:spPr bwMode="auto">
-          <a:xfrm>
-            <a:off x="6515099" y="2148838"/>
-            <a:ext cx="19805278" cy="45719"/>
-          </a:xfrm>
-          <a:prstGeom prst="rect">
-            <a:avLst/>
-          </a:prstGeom>
-          <a:noFill/>
-          <a:ln>
-            <a:noFill/>
-          </a:ln>
-          <a:effectLst/>
-          <a:extLst>
-            <a:ext uri="{909E8E84-426E-40DD-AFC4-6F175D3DCCD1}">
-              <a14:hiddenFill xmlns:a14="http://schemas.microsoft.com/office/drawing/2010/main">
-                <a:solidFill>
-                  <a:schemeClr val="accent1"/>
-                </a:solidFill>
-              </a14:hiddenFill>
-            </a:ext>
-            <a:ext uri="{91240B29-F687-4F45-9708-019B960494DF}">
-              <a14:hiddenLine xmlns:a14="http://schemas.microsoft.com/office/drawing/2010/main" w="9525">
-                <a:solidFill>
-                  <a:schemeClr val="tx1"/>
-                </a:solidFill>
-                <a:miter lim="800000"/>
-                <a:headEnd/>
-                <a:tailEnd/>
-              </a14:hiddenLine>
-            </a:ext>
-            <a:ext uri="{AF507438-7753-43E0-B8FC-AC1667EBCBE1}">
-              <a14:hiddenEffects xmlns:a14="http://schemas.microsoft.com/office/drawing/2010/main">
-                <a:effectLst>
-                  <a:outerShdw dist="35921" dir="2700000" algn="ctr" rotWithShape="0">
-                    <a:schemeClr val="bg2"/>
-                  </a:outerShdw>
-                </a:effectLst>
-              </a14:hiddenEffects>
-            </a:ext>
-          </a:extLst>
-        </p:spPr>
-        <p:txBody>
-          <a:bodyPr vert="horz" wrap="square" lIns="91440" tIns="45720" rIns="91440" bIns="45720" numCol="1" anchor="ctr" anchorCtr="0" compatLnSpc="1">
-            <a:prstTxWarp prst="textNoShape">
-              <a:avLst/>
-            </a:prstTxWarp>
-            <a:spAutoFit/>
-          </a:bodyPr>
-          <a:lstStyle/>
-          <a:p>
-            <a:endParaRPr lang="en-IN"/>
-          </a:p>
-        </p:txBody>
-      </p:sp>
-      <p:pic>
-        <p:nvPicPr>
-          <p:cNvPr id="1025" name="Picture 1" descr="Untitled Diagram"/>
-          <p:cNvPicPr>
-            <a:picLocks noChangeAspect="1" noChangeArrowheads="1"/>
-          </p:cNvPicPr>
-          <p:nvPr/>
-        </p:nvPicPr>
-        <p:blipFill>
-          <a:blip r:embed="rId3">
-            <a:extLst>
-              <a:ext uri="{28A0092B-C50C-407E-A947-70E740481C1C}">
-                <a14:useLocalDpi xmlns:a14="http://schemas.microsoft.com/office/drawing/2010/main" val="0"/>
-              </a:ext>
-            </a:extLst>
-          </a:blip>
-          <a:srcRect/>
-          <a:stretch>
-            <a:fillRect/>
-          </a:stretch>
-        </p:blipFill>
-        <p:spPr bwMode="auto">
-          <a:xfrm>
-            <a:off x="6515099" y="2148838"/>
-            <a:ext cx="4378823" cy="4378823"/>
-          </a:xfrm>
-          <a:prstGeom prst="rect">
-            <a:avLst/>
-          </a:prstGeom>
-          <a:noFill/>
-          <a:extLst>
-            <a:ext uri="{909E8E84-426E-40DD-AFC4-6F175D3DCCD1}">
-              <a14:hiddenFill xmlns:a14="http://schemas.microsoft.com/office/drawing/2010/main">
-                <a:solidFill>
-                  <a:srgbClr val="FFFFFF"/>
-                </a:solidFill>
-              </a14:hiddenFill>
-            </a:ext>
-          </a:extLst>
-        </p:spPr>
-      </p:pic>
-      <p:sp>
-        <p:nvSpPr>
-          <p:cNvPr id="3" name="TextBox 2"/>
-          <p:cNvSpPr txBox="1"/>
-          <p:nvPr/>
-        </p:nvSpPr>
-        <p:spPr>
-          <a:xfrm>
-            <a:off x="1384663" y="3580038"/>
-            <a:ext cx="4206240" cy="2308324"/>
-          </a:xfrm>
-          <a:prstGeom prst="rect">
-            <a:avLst/>
-          </a:prstGeom>
-          <a:noFill/>
-        </p:spPr>
-        <p:txBody>
-          <a:bodyPr wrap="square" rtlCol="0">
-            <a:spAutoFit/>
-          </a:bodyPr>
-          <a:lstStyle/>
-          <a:p>
-            <a:r>
-              <a:rPr lang="en-IN" sz="2400" dirty="0" smtClean="0"/>
-              <a:t>We </a:t>
-            </a:r>
-            <a:r>
-              <a:rPr lang="en-IN" sz="2400" dirty="0"/>
-              <a:t>trained a neural network with an intuition to transform each domain to a new space where they show the maximum similarity in terms of similar classes. </a:t>
-            </a:r>
-            <a:endParaRPr lang="en-IN" sz="2400" dirty="0"/>
-          </a:p>
-        </p:txBody>
-      </p:sp>
-    </p:spTree>
-    <p:extLst>
-      <p:ext uri="{BB962C8B-B14F-4D97-AF65-F5344CB8AC3E}">
-        <p14:creationId xmlns:p14="http://schemas.microsoft.com/office/powerpoint/2010/main" val="3686279653"/>
-      </p:ext>
-    </p:extLst>
-  </p:cSld>
-  <p:clrMapOvr>
-    <a:masterClrMapping/>
-  </p:clrMapOvr>
-</p:sld>
-</file>
-
 <file path=ppt/slides/slide16.xml><?xml version="1.0" encoding="utf-8"?>
-<p:sld xmlns:a="http://schemas.openxmlformats.org/drawingml/2006/main" xmlns:r="http://schemas.openxmlformats.org/officeDocument/2006/relationships" xmlns:p="http://schemas.openxmlformats.org/presentationml/2006/main">
-  <p:cSld>
-    <p:spTree>
-      <p:nvGrpSpPr>
-        <p:cNvPr id="1" name="Shape 233"/>
-        <p:cNvGrpSpPr/>
-        <p:nvPr/>
-      </p:nvGrpSpPr>
-      <p:grpSpPr>
-        <a:xfrm>
-          <a:off x="0" y="0"/>
-          <a:ext cx="0" cy="0"/>
-          <a:chOff x="0" y="0"/>
-          <a:chExt cx="0" cy="0"/>
-        </a:xfrm>
-      </p:grpSpPr>
-      <p:sp>
-        <p:nvSpPr>
-          <p:cNvPr id="234" name="Google Shape;234;p29"/>
-          <p:cNvSpPr txBox="1">
-            <a:spLocks noGrp="1"/>
-          </p:cNvSpPr>
-          <p:nvPr>
-            <p:ph type="title"/>
-          </p:nvPr>
-        </p:nvSpPr>
-        <p:spPr>
-          <a:xfrm>
-            <a:off x="1730776" y="286653"/>
-            <a:ext cx="8911687" cy="1280890"/>
-          </a:xfrm>
-          <a:prstGeom prst="rect">
-            <a:avLst/>
-          </a:prstGeom>
-          <a:noFill/>
-          <a:ln>
-            <a:noFill/>
-          </a:ln>
-        </p:spPr>
-        <p:txBody>
-          <a:bodyPr spcFirstLastPara="1" wrap="square" lIns="91425" tIns="45700" rIns="91425" bIns="45700" anchor="t" anchorCtr="0">
-            <a:noAutofit/>
-          </a:bodyPr>
-          <a:lstStyle/>
-          <a:p>
-            <a:pPr marL="0" lvl="0" indent="0" rtl="0">
-              <a:spcBef>
-                <a:spcPts val="0"/>
-              </a:spcBef>
-              <a:spcAft>
-                <a:spcPts val="0"/>
-              </a:spcAft>
-              <a:buClr>
-                <a:srgbClr val="262626"/>
-              </a:buClr>
-              <a:buSzPts val="3600"/>
-              <a:buFont typeface="Century Gothic"/>
-              <a:buNone/>
-            </a:pPr>
-            <a:r>
-              <a:rPr lang="en-IN" dirty="0"/>
-              <a:t>Observations and results</a:t>
-            </a:r>
-            <a:endParaRPr dirty="0"/>
-          </a:p>
-        </p:txBody>
-      </p:sp>
-      <p:sp>
-        <p:nvSpPr>
-          <p:cNvPr id="235" name="Google Shape;235;p29"/>
-          <p:cNvSpPr txBox="1">
-            <a:spLocks noGrp="1"/>
-          </p:cNvSpPr>
-          <p:nvPr>
-            <p:ph idx="1"/>
-          </p:nvPr>
-        </p:nvSpPr>
-        <p:spPr>
-          <a:xfrm>
-            <a:off x="1384663" y="1567543"/>
-            <a:ext cx="10119949" cy="4343679"/>
-          </a:xfrm>
-          <a:prstGeom prst="rect">
-            <a:avLst/>
-          </a:prstGeom>
-          <a:noFill/>
-          <a:ln>
-            <a:noFill/>
-          </a:ln>
-        </p:spPr>
-        <p:txBody>
-          <a:bodyPr spcFirstLastPara="1" wrap="square" lIns="91425" tIns="45700" rIns="91425" bIns="45700" anchor="t" anchorCtr="0">
-            <a:noAutofit/>
-          </a:bodyPr>
-          <a:lstStyle/>
-          <a:p>
-            <a:pPr marL="0" lvl="0" indent="0" algn="l" rtl="0">
-              <a:spcBef>
-                <a:spcPts val="0"/>
-              </a:spcBef>
-              <a:spcAft>
-                <a:spcPts val="0"/>
-              </a:spcAft>
-              <a:buSzPts val="2400"/>
-              <a:buNone/>
-            </a:pPr>
-            <a:r>
-              <a:rPr lang="en-IN" sz="2400" dirty="0"/>
-              <a:t>Experiment </a:t>
-            </a:r>
-            <a:r>
-              <a:rPr lang="en-IN" sz="2400" dirty="0" smtClean="0"/>
-              <a:t>5:</a:t>
-            </a:r>
-            <a:r>
-              <a:rPr lang="en-IN" sz="2400" dirty="0" smtClean="0"/>
-              <a:t> Transfer  Learning (Domain A is Amazon, Domain B is DSLR)</a:t>
-            </a:r>
-            <a:endParaRPr sz="2400" dirty="0"/>
-          </a:p>
-        </p:txBody>
-      </p:sp>
-      <p:sp>
-        <p:nvSpPr>
-          <p:cNvPr id="2" name="Rectangle 2"/>
-          <p:cNvSpPr>
-            <a:spLocks noChangeArrowheads="1"/>
-          </p:cNvSpPr>
-          <p:nvPr/>
-        </p:nvSpPr>
-        <p:spPr bwMode="auto">
-          <a:xfrm>
-            <a:off x="6515099" y="2148838"/>
-            <a:ext cx="19805278" cy="45719"/>
-          </a:xfrm>
-          <a:prstGeom prst="rect">
-            <a:avLst/>
-          </a:prstGeom>
-          <a:noFill/>
-          <a:ln>
-            <a:noFill/>
-          </a:ln>
-          <a:effectLst/>
-          <a:extLst>
-            <a:ext uri="{909E8E84-426E-40DD-AFC4-6F175D3DCCD1}">
-              <a14:hiddenFill xmlns:a14="http://schemas.microsoft.com/office/drawing/2010/main">
-                <a:solidFill>
-                  <a:schemeClr val="accent1"/>
-                </a:solidFill>
-              </a14:hiddenFill>
-            </a:ext>
-            <a:ext uri="{91240B29-F687-4F45-9708-019B960494DF}">
-              <a14:hiddenLine xmlns:a14="http://schemas.microsoft.com/office/drawing/2010/main" w="9525">
-                <a:solidFill>
-                  <a:schemeClr val="tx1"/>
-                </a:solidFill>
-                <a:miter lim="800000"/>
-                <a:headEnd/>
-                <a:tailEnd/>
-              </a14:hiddenLine>
-            </a:ext>
-            <a:ext uri="{AF507438-7753-43E0-B8FC-AC1667EBCBE1}">
-              <a14:hiddenEffects xmlns:a14="http://schemas.microsoft.com/office/drawing/2010/main">
-                <a:effectLst>
-                  <a:outerShdw dist="35921" dir="2700000" algn="ctr" rotWithShape="0">
-                    <a:schemeClr val="bg2"/>
-                  </a:outerShdw>
-                </a:effectLst>
-              </a14:hiddenEffects>
-            </a:ext>
-          </a:extLst>
-        </p:spPr>
-        <p:txBody>
-          <a:bodyPr vert="horz" wrap="square" lIns="91440" tIns="45720" rIns="91440" bIns="45720" numCol="1" anchor="ctr" anchorCtr="0" compatLnSpc="1">
-            <a:prstTxWarp prst="textNoShape">
-              <a:avLst/>
-            </a:prstTxWarp>
-            <a:spAutoFit/>
-          </a:bodyPr>
-          <a:lstStyle/>
-          <a:p>
-            <a:endParaRPr lang="en-IN"/>
-          </a:p>
-        </p:txBody>
-      </p:sp>
-      <p:graphicFrame>
-        <p:nvGraphicFramePr>
-          <p:cNvPr id="3" name="Table 2"/>
-          <p:cNvGraphicFramePr>
-            <a:graphicFrameLocks noGrp="1"/>
-          </p:cNvGraphicFramePr>
-          <p:nvPr>
-            <p:extLst>
-              <p:ext uri="{D42A27DB-BD31-4B8C-83A1-F6EECF244321}">
-                <p14:modId xmlns:p14="http://schemas.microsoft.com/office/powerpoint/2010/main" val="443665971"/>
-              </p:ext>
-            </p:extLst>
-          </p:nvPr>
-        </p:nvGraphicFramePr>
-        <p:xfrm>
-          <a:off x="800100" y="2194557"/>
-          <a:ext cx="10927081" cy="4572002"/>
-        </p:xfrm>
-        <a:graphic>
-          <a:graphicData uri="http://schemas.openxmlformats.org/drawingml/2006/table">
-            <a:tbl>
-              <a:tblPr firstRow="1" firstCol="1" bandRow="1">
-                <a:tableStyleId>{5C22544A-7EE6-4342-B048-85BDC9FD1C3A}</a:tableStyleId>
-              </a:tblPr>
-              <a:tblGrid>
-                <a:gridCol w="2783119">
-                  <a:extLst>
-                    <a:ext uri="{9D8B030D-6E8A-4147-A177-3AD203B41FA5}">
-                      <a16:colId xmlns:a16="http://schemas.microsoft.com/office/drawing/2014/main" val="2739935091"/>
-                    </a:ext>
-                  </a:extLst>
-                </a:gridCol>
-                <a:gridCol w="2193176">
-                  <a:extLst>
-                    <a:ext uri="{9D8B030D-6E8A-4147-A177-3AD203B41FA5}">
-                      <a16:colId xmlns:a16="http://schemas.microsoft.com/office/drawing/2014/main" val="2090109272"/>
-                    </a:ext>
-                  </a:extLst>
-                </a:gridCol>
-                <a:gridCol w="3023889">
-                  <a:extLst>
-                    <a:ext uri="{9D8B030D-6E8A-4147-A177-3AD203B41FA5}">
-                      <a16:colId xmlns:a16="http://schemas.microsoft.com/office/drawing/2014/main" val="2789792178"/>
-                    </a:ext>
-                  </a:extLst>
-                </a:gridCol>
-                <a:gridCol w="2926897">
-                  <a:extLst>
-                    <a:ext uri="{9D8B030D-6E8A-4147-A177-3AD203B41FA5}">
-                      <a16:colId xmlns:a16="http://schemas.microsoft.com/office/drawing/2014/main" val="2835991352"/>
-                    </a:ext>
-                  </a:extLst>
-                </a:gridCol>
-              </a:tblGrid>
-              <a:tr h="655320">
-                <a:tc>
-                  <a:txBody>
-                    <a:bodyPr/>
-                    <a:lstStyle/>
-                    <a:p>
-                      <a:pPr algn="just">
-                        <a:spcBef>
-                          <a:spcPts val="900"/>
-                        </a:spcBef>
-                        <a:spcAft>
-                          <a:spcPts val="900"/>
-                        </a:spcAft>
-                      </a:pPr>
-                      <a:r>
-                        <a:rPr lang="en-IN" sz="3200">
-                          <a:effectLst/>
-                        </a:rPr>
-                        <a:t>Training Data</a:t>
-                      </a:r>
-                      <a:endParaRPr lang="en-IN" sz="3200">
-                        <a:effectLst/>
-                        <a:latin typeface="Times New Roman" panose="02020603050405020304" pitchFamily="18" charset="0"/>
-                        <a:ea typeface="Times New Roman" panose="02020603050405020304" pitchFamily="18" charset="0"/>
-                      </a:endParaRPr>
-                    </a:p>
-                  </a:txBody>
-                  <a:tcPr marL="68580" marR="68580" marT="0" marB="0"/>
-                </a:tc>
-                <a:tc>
-                  <a:txBody>
-                    <a:bodyPr/>
-                    <a:lstStyle/>
-                    <a:p>
-                      <a:pPr algn="just">
-                        <a:spcBef>
-                          <a:spcPts val="900"/>
-                        </a:spcBef>
-                        <a:spcAft>
-                          <a:spcPts val="900"/>
-                        </a:spcAft>
-                      </a:pPr>
-                      <a:r>
-                        <a:rPr lang="en-IN" sz="3200">
-                          <a:effectLst/>
-                        </a:rPr>
-                        <a:t>Testing Data </a:t>
-                      </a:r>
-                      <a:endParaRPr lang="en-IN" sz="3200">
-                        <a:effectLst/>
-                        <a:latin typeface="Times New Roman" panose="02020603050405020304" pitchFamily="18" charset="0"/>
-                        <a:ea typeface="Times New Roman" panose="02020603050405020304" pitchFamily="18" charset="0"/>
-                      </a:endParaRPr>
-                    </a:p>
-                  </a:txBody>
-                  <a:tcPr marL="68580" marR="68580" marT="0" marB="0"/>
-                </a:tc>
-                <a:tc>
-                  <a:txBody>
-                    <a:bodyPr/>
-                    <a:lstStyle/>
-                    <a:p>
-                      <a:pPr algn="just">
-                        <a:spcBef>
-                          <a:spcPts val="900"/>
-                        </a:spcBef>
-                        <a:spcAft>
-                          <a:spcPts val="900"/>
-                        </a:spcAft>
-                      </a:pPr>
-                      <a:r>
-                        <a:rPr lang="en-IN" sz="3200">
-                          <a:effectLst/>
-                        </a:rPr>
-                        <a:t>Approach</a:t>
-                      </a:r>
-                      <a:endParaRPr lang="en-IN" sz="3200">
-                        <a:effectLst/>
-                        <a:latin typeface="Times New Roman" panose="02020603050405020304" pitchFamily="18" charset="0"/>
-                        <a:ea typeface="Times New Roman" panose="02020603050405020304" pitchFamily="18" charset="0"/>
-                      </a:endParaRPr>
-                    </a:p>
-                  </a:txBody>
-                  <a:tcPr marL="68580" marR="68580" marT="0" marB="0"/>
-                </a:tc>
-                <a:tc>
-                  <a:txBody>
-                    <a:bodyPr/>
-                    <a:lstStyle/>
-                    <a:p>
-                      <a:pPr algn="just">
-                        <a:spcBef>
-                          <a:spcPts val="900"/>
-                        </a:spcBef>
-                        <a:spcAft>
-                          <a:spcPts val="900"/>
-                        </a:spcAft>
-                      </a:pPr>
-                      <a:r>
-                        <a:rPr lang="en-IN" sz="3200">
-                          <a:effectLst/>
-                        </a:rPr>
-                        <a:t>Accuracy(in %)</a:t>
-                      </a:r>
-                      <a:endParaRPr lang="en-IN" sz="3200">
-                        <a:effectLst/>
-                        <a:latin typeface="Times New Roman" panose="02020603050405020304" pitchFamily="18" charset="0"/>
-                        <a:ea typeface="Times New Roman" panose="02020603050405020304" pitchFamily="18" charset="0"/>
-                      </a:endParaRPr>
-                    </a:p>
-                  </a:txBody>
-                  <a:tcPr marL="68580" marR="68580" marT="0" marB="0"/>
-                </a:tc>
-                <a:extLst>
-                  <a:ext uri="{0D108BD9-81ED-4DB2-BD59-A6C34878D82A}">
-                    <a16:rowId xmlns:a16="http://schemas.microsoft.com/office/drawing/2014/main" val="2151917740"/>
-                  </a:ext>
-                </a:extLst>
-              </a:tr>
-              <a:tr h="655320">
-                <a:tc>
-                  <a:txBody>
-                    <a:bodyPr/>
-                    <a:lstStyle/>
-                    <a:p>
-                      <a:pPr algn="just">
-                        <a:spcBef>
-                          <a:spcPts val="900"/>
-                        </a:spcBef>
-                        <a:spcAft>
-                          <a:spcPts val="900"/>
-                        </a:spcAft>
-                      </a:pPr>
-                      <a:r>
-                        <a:rPr lang="en-IN" sz="3200">
-                          <a:effectLst/>
-                        </a:rPr>
-                        <a:t>Domain A</a:t>
-                      </a:r>
-                      <a:endParaRPr lang="en-IN" sz="3200">
-                        <a:effectLst/>
-                        <a:latin typeface="Times New Roman" panose="02020603050405020304" pitchFamily="18" charset="0"/>
-                        <a:ea typeface="Times New Roman" panose="02020603050405020304" pitchFamily="18" charset="0"/>
-                      </a:endParaRPr>
-                    </a:p>
-                  </a:txBody>
-                  <a:tcPr marL="68580" marR="68580" marT="0" marB="0"/>
-                </a:tc>
-                <a:tc>
-                  <a:txBody>
-                    <a:bodyPr/>
-                    <a:lstStyle/>
-                    <a:p>
-                      <a:pPr algn="just">
-                        <a:spcBef>
-                          <a:spcPts val="900"/>
-                        </a:spcBef>
-                        <a:spcAft>
-                          <a:spcPts val="900"/>
-                        </a:spcAft>
-                      </a:pPr>
-                      <a:r>
-                        <a:rPr lang="en-IN" sz="3200">
-                          <a:effectLst/>
-                        </a:rPr>
-                        <a:t>Domain A</a:t>
-                      </a:r>
-                      <a:endParaRPr lang="en-IN" sz="3200">
-                        <a:effectLst/>
-                        <a:latin typeface="Times New Roman" panose="02020603050405020304" pitchFamily="18" charset="0"/>
-                        <a:ea typeface="Times New Roman" panose="02020603050405020304" pitchFamily="18" charset="0"/>
-                      </a:endParaRPr>
-                    </a:p>
-                  </a:txBody>
-                  <a:tcPr marL="68580" marR="68580" marT="0" marB="0"/>
-                </a:tc>
-                <a:tc>
-                  <a:txBody>
-                    <a:bodyPr/>
-                    <a:lstStyle/>
-                    <a:p>
-                      <a:pPr algn="just">
-                        <a:spcBef>
-                          <a:spcPts val="900"/>
-                        </a:spcBef>
-                        <a:spcAft>
-                          <a:spcPts val="900"/>
-                        </a:spcAft>
-                      </a:pPr>
-                      <a:r>
-                        <a:rPr lang="en-IN" sz="3200">
-                          <a:effectLst/>
-                        </a:rPr>
-                        <a:t>Neural Network </a:t>
-                      </a:r>
-                      <a:endParaRPr lang="en-IN" sz="3200">
-                        <a:effectLst/>
-                        <a:latin typeface="Times New Roman" panose="02020603050405020304" pitchFamily="18" charset="0"/>
-                        <a:ea typeface="Times New Roman" panose="02020603050405020304" pitchFamily="18" charset="0"/>
-                      </a:endParaRPr>
-                    </a:p>
-                  </a:txBody>
-                  <a:tcPr marL="68580" marR="68580" marT="0" marB="0"/>
-                </a:tc>
-                <a:tc>
-                  <a:txBody>
-                    <a:bodyPr/>
-                    <a:lstStyle/>
-                    <a:p>
-                      <a:pPr algn="just">
-                        <a:spcBef>
-                          <a:spcPts val="900"/>
-                        </a:spcBef>
-                        <a:spcAft>
-                          <a:spcPts val="900"/>
-                        </a:spcAft>
-                      </a:pPr>
-                      <a:r>
-                        <a:rPr lang="en-IN" sz="3200">
-                          <a:effectLst/>
-                        </a:rPr>
-                        <a:t> 50.43%</a:t>
-                      </a:r>
-                      <a:endParaRPr lang="en-IN" sz="3200">
-                        <a:effectLst/>
-                        <a:latin typeface="Times New Roman" panose="02020603050405020304" pitchFamily="18" charset="0"/>
-                        <a:ea typeface="Times New Roman" panose="02020603050405020304" pitchFamily="18" charset="0"/>
-                      </a:endParaRPr>
-                    </a:p>
-                  </a:txBody>
-                  <a:tcPr marL="68580" marR="68580" marT="0" marB="0"/>
-                </a:tc>
-                <a:extLst>
-                  <a:ext uri="{0D108BD9-81ED-4DB2-BD59-A6C34878D82A}">
-                    <a16:rowId xmlns:a16="http://schemas.microsoft.com/office/drawing/2014/main" val="576622322"/>
-                  </a:ext>
-                </a:extLst>
-              </a:tr>
-              <a:tr h="655320">
-                <a:tc>
-                  <a:txBody>
-                    <a:bodyPr/>
-                    <a:lstStyle/>
-                    <a:p>
-                      <a:pPr algn="just">
-                        <a:spcBef>
-                          <a:spcPts val="900"/>
-                        </a:spcBef>
-                        <a:spcAft>
-                          <a:spcPts val="900"/>
-                        </a:spcAft>
-                      </a:pPr>
-                      <a:r>
-                        <a:rPr lang="en-IN" sz="3200">
-                          <a:effectLst/>
-                        </a:rPr>
-                        <a:t>Domain B</a:t>
-                      </a:r>
-                      <a:endParaRPr lang="en-IN" sz="3200">
-                        <a:effectLst/>
-                        <a:latin typeface="Times New Roman" panose="02020603050405020304" pitchFamily="18" charset="0"/>
-                        <a:ea typeface="Times New Roman" panose="02020603050405020304" pitchFamily="18" charset="0"/>
-                      </a:endParaRPr>
-                    </a:p>
-                  </a:txBody>
-                  <a:tcPr marL="68580" marR="68580" marT="0" marB="0"/>
-                </a:tc>
-                <a:tc>
-                  <a:txBody>
-                    <a:bodyPr/>
-                    <a:lstStyle/>
-                    <a:p>
-                      <a:pPr algn="just">
-                        <a:spcBef>
-                          <a:spcPts val="900"/>
-                        </a:spcBef>
-                        <a:spcAft>
-                          <a:spcPts val="900"/>
-                        </a:spcAft>
-                      </a:pPr>
-                      <a:r>
-                        <a:rPr lang="en-IN" sz="3200">
-                          <a:effectLst/>
-                        </a:rPr>
-                        <a:t>Domain B</a:t>
-                      </a:r>
-                      <a:endParaRPr lang="en-IN" sz="3200">
-                        <a:effectLst/>
-                        <a:latin typeface="Times New Roman" panose="02020603050405020304" pitchFamily="18" charset="0"/>
-                        <a:ea typeface="Times New Roman" panose="02020603050405020304" pitchFamily="18" charset="0"/>
-                      </a:endParaRPr>
-                    </a:p>
-                  </a:txBody>
-                  <a:tcPr marL="68580" marR="68580" marT="0" marB="0"/>
-                </a:tc>
-                <a:tc>
-                  <a:txBody>
-                    <a:bodyPr/>
-                    <a:lstStyle/>
-                    <a:p>
-                      <a:pPr algn="just">
-                        <a:spcBef>
-                          <a:spcPts val="900"/>
-                        </a:spcBef>
-                        <a:spcAft>
-                          <a:spcPts val="900"/>
-                        </a:spcAft>
-                      </a:pPr>
-                      <a:r>
-                        <a:rPr lang="en-IN" sz="3200" dirty="0">
-                          <a:effectLst/>
-                        </a:rPr>
-                        <a:t>Neural Network</a:t>
-                      </a:r>
-                      <a:endParaRPr lang="en-IN" sz="3200" dirty="0">
-                        <a:effectLst/>
-                        <a:latin typeface="Times New Roman" panose="02020603050405020304" pitchFamily="18" charset="0"/>
-                        <a:ea typeface="Times New Roman" panose="02020603050405020304" pitchFamily="18" charset="0"/>
-                      </a:endParaRPr>
-                    </a:p>
-                  </a:txBody>
-                  <a:tcPr marL="68580" marR="68580" marT="0" marB="0"/>
-                </a:tc>
-                <a:tc>
-                  <a:txBody>
-                    <a:bodyPr/>
-                    <a:lstStyle/>
-                    <a:p>
-                      <a:pPr algn="just">
-                        <a:spcBef>
-                          <a:spcPts val="900"/>
-                        </a:spcBef>
-                        <a:spcAft>
-                          <a:spcPts val="900"/>
-                        </a:spcAft>
-                      </a:pPr>
-                      <a:r>
-                        <a:rPr lang="en-IN" sz="3200">
-                          <a:effectLst/>
-                        </a:rPr>
-                        <a:t>73.27%</a:t>
-                      </a:r>
-                      <a:endParaRPr lang="en-IN" sz="3200">
-                        <a:effectLst/>
-                        <a:latin typeface="Times New Roman" panose="02020603050405020304" pitchFamily="18" charset="0"/>
-                        <a:ea typeface="Times New Roman" panose="02020603050405020304" pitchFamily="18" charset="0"/>
-                      </a:endParaRPr>
-                    </a:p>
-                  </a:txBody>
-                  <a:tcPr marL="68580" marR="68580" marT="0" marB="0"/>
-                </a:tc>
-                <a:extLst>
-                  <a:ext uri="{0D108BD9-81ED-4DB2-BD59-A6C34878D82A}">
-                    <a16:rowId xmlns:a16="http://schemas.microsoft.com/office/drawing/2014/main" val="3266766572"/>
-                  </a:ext>
-                </a:extLst>
-              </a:tr>
-              <a:tr h="1310642">
-                <a:tc>
-                  <a:txBody>
-                    <a:bodyPr/>
-                    <a:lstStyle/>
-                    <a:p>
-                      <a:pPr algn="just">
-                        <a:spcBef>
-                          <a:spcPts val="900"/>
-                        </a:spcBef>
-                        <a:spcAft>
-                          <a:spcPts val="900"/>
-                        </a:spcAft>
-                      </a:pPr>
-                      <a:r>
-                        <a:rPr lang="en-IN" sz="3200">
-                          <a:effectLst/>
-                        </a:rPr>
-                        <a:t>Domain A</a:t>
-                      </a:r>
-                      <a:endParaRPr lang="en-IN" sz="3200">
-                        <a:effectLst/>
-                        <a:latin typeface="Times New Roman" panose="02020603050405020304" pitchFamily="18" charset="0"/>
-                        <a:ea typeface="Times New Roman" panose="02020603050405020304" pitchFamily="18" charset="0"/>
-                      </a:endParaRPr>
-                    </a:p>
-                  </a:txBody>
-                  <a:tcPr marL="68580" marR="68580" marT="0" marB="0"/>
-                </a:tc>
-                <a:tc>
-                  <a:txBody>
-                    <a:bodyPr/>
-                    <a:lstStyle/>
-                    <a:p>
-                      <a:pPr algn="just">
-                        <a:spcBef>
-                          <a:spcPts val="900"/>
-                        </a:spcBef>
-                        <a:spcAft>
-                          <a:spcPts val="900"/>
-                        </a:spcAft>
-                      </a:pPr>
-                      <a:r>
-                        <a:rPr lang="en-IN" sz="3200">
-                          <a:effectLst/>
-                        </a:rPr>
-                        <a:t>Domain B </a:t>
-                      </a:r>
-                      <a:endParaRPr lang="en-IN" sz="3200">
-                        <a:effectLst/>
-                        <a:latin typeface="Times New Roman" panose="02020603050405020304" pitchFamily="18" charset="0"/>
-                        <a:ea typeface="Times New Roman" panose="02020603050405020304" pitchFamily="18" charset="0"/>
-                      </a:endParaRPr>
-                    </a:p>
-                  </a:txBody>
-                  <a:tcPr marL="68580" marR="68580" marT="0" marB="0"/>
-                </a:tc>
-                <a:tc>
-                  <a:txBody>
-                    <a:bodyPr/>
-                    <a:lstStyle/>
-                    <a:p>
-                      <a:pPr algn="just">
-                        <a:spcBef>
-                          <a:spcPts val="900"/>
-                        </a:spcBef>
-                        <a:spcAft>
-                          <a:spcPts val="900"/>
-                        </a:spcAft>
-                      </a:pPr>
-                      <a:r>
-                        <a:rPr lang="en-IN" sz="3200">
-                          <a:effectLst/>
-                        </a:rPr>
-                        <a:t>Direct prediction on NN</a:t>
-                      </a:r>
-                      <a:endParaRPr lang="en-IN" sz="3200">
-                        <a:effectLst/>
-                        <a:latin typeface="Times New Roman" panose="02020603050405020304" pitchFamily="18" charset="0"/>
-                        <a:ea typeface="Times New Roman" panose="02020603050405020304" pitchFamily="18" charset="0"/>
-                      </a:endParaRPr>
-                    </a:p>
-                  </a:txBody>
-                  <a:tcPr marL="68580" marR="68580" marT="0" marB="0"/>
-                </a:tc>
-                <a:tc>
-                  <a:txBody>
-                    <a:bodyPr/>
-                    <a:lstStyle/>
-                    <a:p>
-                      <a:pPr algn="just">
-                        <a:spcBef>
-                          <a:spcPts val="900"/>
-                        </a:spcBef>
-                        <a:spcAft>
-                          <a:spcPts val="900"/>
-                        </a:spcAft>
-                      </a:pPr>
-                      <a:r>
-                        <a:rPr lang="en-IN" sz="3200">
-                          <a:effectLst/>
-                        </a:rPr>
-                        <a:t>13.23%</a:t>
-                      </a:r>
-                      <a:endParaRPr lang="en-IN" sz="3200">
-                        <a:effectLst/>
-                        <a:latin typeface="Times New Roman" panose="02020603050405020304" pitchFamily="18" charset="0"/>
-                        <a:ea typeface="Times New Roman" panose="02020603050405020304" pitchFamily="18" charset="0"/>
-                      </a:endParaRPr>
-                    </a:p>
-                  </a:txBody>
-                  <a:tcPr marL="68580" marR="68580" marT="0" marB="0"/>
-                </a:tc>
-                <a:extLst>
-                  <a:ext uri="{0D108BD9-81ED-4DB2-BD59-A6C34878D82A}">
-                    <a16:rowId xmlns:a16="http://schemas.microsoft.com/office/drawing/2014/main" val="1183610095"/>
-                  </a:ext>
-                </a:extLst>
-              </a:tr>
-              <a:tr h="655320">
-                <a:tc>
-                  <a:txBody>
-                    <a:bodyPr/>
-                    <a:lstStyle/>
-                    <a:p>
-                      <a:pPr algn="just">
-                        <a:spcBef>
-                          <a:spcPts val="900"/>
-                        </a:spcBef>
-                        <a:spcAft>
-                          <a:spcPts val="900"/>
-                        </a:spcAft>
-                      </a:pPr>
-                      <a:r>
-                        <a:rPr lang="en-IN" sz="3200">
-                          <a:effectLst/>
-                        </a:rPr>
-                        <a:t>Domain A</a:t>
-                      </a:r>
-                      <a:endParaRPr lang="en-IN" sz="3200">
-                        <a:effectLst/>
-                        <a:latin typeface="Times New Roman" panose="02020603050405020304" pitchFamily="18" charset="0"/>
-                        <a:ea typeface="Times New Roman" panose="02020603050405020304" pitchFamily="18" charset="0"/>
-                      </a:endParaRPr>
-                    </a:p>
-                  </a:txBody>
-                  <a:tcPr marL="68580" marR="68580" marT="0" marB="0"/>
-                </a:tc>
-                <a:tc>
-                  <a:txBody>
-                    <a:bodyPr/>
-                    <a:lstStyle/>
-                    <a:p>
-                      <a:pPr algn="just">
-                        <a:spcBef>
-                          <a:spcPts val="900"/>
-                        </a:spcBef>
-                        <a:spcAft>
-                          <a:spcPts val="900"/>
-                        </a:spcAft>
-                      </a:pPr>
-                      <a:r>
-                        <a:rPr lang="en-IN" sz="3200">
-                          <a:effectLst/>
-                        </a:rPr>
-                        <a:t>Domain B </a:t>
-                      </a:r>
-                      <a:endParaRPr lang="en-IN" sz="3200">
-                        <a:effectLst/>
-                        <a:latin typeface="Times New Roman" panose="02020603050405020304" pitchFamily="18" charset="0"/>
-                        <a:ea typeface="Times New Roman" panose="02020603050405020304" pitchFamily="18" charset="0"/>
-                      </a:endParaRPr>
-                    </a:p>
-                  </a:txBody>
-                  <a:tcPr marL="68580" marR="68580" marT="0" marB="0"/>
-                </a:tc>
-                <a:tc>
-                  <a:txBody>
-                    <a:bodyPr/>
-                    <a:lstStyle/>
-                    <a:p>
-                      <a:pPr algn="just">
-                        <a:spcBef>
-                          <a:spcPts val="900"/>
-                        </a:spcBef>
-                        <a:spcAft>
-                          <a:spcPts val="900"/>
-                        </a:spcAft>
-                      </a:pPr>
-                      <a:r>
-                        <a:rPr lang="en-IN" sz="3200" dirty="0" smtClean="0">
-                          <a:effectLst/>
-                        </a:rPr>
-                        <a:t>After</a:t>
-                      </a:r>
-                      <a:r>
-                        <a:rPr lang="en-IN" sz="3200" baseline="0" dirty="0" smtClean="0">
-                          <a:effectLst/>
-                        </a:rPr>
-                        <a:t> </a:t>
-                      </a:r>
-                      <a:r>
-                        <a:rPr lang="en-IN" sz="3200" dirty="0" smtClean="0">
-                          <a:effectLst/>
-                        </a:rPr>
-                        <a:t>transfer </a:t>
-                      </a:r>
-                      <a:r>
-                        <a:rPr lang="en-IN" sz="3200" dirty="0">
-                          <a:effectLst/>
-                        </a:rPr>
-                        <a:t>learning </a:t>
-                      </a:r>
-                      <a:endParaRPr lang="en-IN" sz="3200" dirty="0">
-                        <a:effectLst/>
-                        <a:latin typeface="Times New Roman" panose="02020603050405020304" pitchFamily="18" charset="0"/>
-                        <a:ea typeface="Times New Roman" panose="02020603050405020304" pitchFamily="18" charset="0"/>
-                      </a:endParaRPr>
-                    </a:p>
-                  </a:txBody>
-                  <a:tcPr marL="68580" marR="68580" marT="0" marB="0"/>
-                </a:tc>
-                <a:tc>
-                  <a:txBody>
-                    <a:bodyPr/>
-                    <a:lstStyle/>
-                    <a:p>
-                      <a:pPr algn="just">
-                        <a:spcBef>
-                          <a:spcPts val="900"/>
-                        </a:spcBef>
-                        <a:spcAft>
-                          <a:spcPts val="900"/>
-                        </a:spcAft>
-                      </a:pPr>
-                      <a:r>
-                        <a:rPr lang="en-IN" sz="3200" dirty="0">
-                          <a:effectLst/>
-                        </a:rPr>
-                        <a:t>22.17%</a:t>
-                      </a:r>
-                      <a:endParaRPr lang="en-IN" sz="3200" dirty="0">
-                        <a:effectLst/>
-                        <a:latin typeface="Times New Roman" panose="02020603050405020304" pitchFamily="18" charset="0"/>
-                        <a:ea typeface="Times New Roman" panose="02020603050405020304" pitchFamily="18" charset="0"/>
-                      </a:endParaRPr>
-                    </a:p>
-                  </a:txBody>
-                  <a:tcPr marL="68580" marR="68580" marT="0" marB="0"/>
-                </a:tc>
-                <a:extLst>
-                  <a:ext uri="{0D108BD9-81ED-4DB2-BD59-A6C34878D82A}">
-                    <a16:rowId xmlns:a16="http://schemas.microsoft.com/office/drawing/2014/main" val="984440899"/>
-                  </a:ext>
-                </a:extLst>
-              </a:tr>
-            </a:tbl>
-          </a:graphicData>
-        </a:graphic>
-      </p:graphicFrame>
-    </p:spTree>
-    <p:extLst>
-      <p:ext uri="{BB962C8B-B14F-4D97-AF65-F5344CB8AC3E}">
-        <p14:creationId xmlns:p14="http://schemas.microsoft.com/office/powerpoint/2010/main" val="1738530420"/>
-      </p:ext>
-    </p:extLst>
-  </p:cSld>
-  <p:clrMapOvr>
-    <a:masterClrMapping/>
-  </p:clrMapOvr>
-</p:sld>
-</file>
-
-<file path=ppt/slides/slide17.xml><?xml version="1.0" encoding="utf-8"?>
 <p:sld xmlns:a="http://schemas.openxmlformats.org/drawingml/2006/main" xmlns:r="http://schemas.openxmlformats.org/officeDocument/2006/relationships" xmlns:p="http://schemas.openxmlformats.org/presentationml/2006/main">
   <p:cSld>
     <p:spTree>
